--- a/SE_Presentation.pptx
+++ b/SE_Presentation.pptx
@@ -1335,7 +1335,7 @@
           <a:p>
             <a:fld id="{48A87A34-81AB-432B-8DAE-1953F412C126}" type="datetimeFigureOut">
               <a:rPr lang="en-US" smtClean="0"/>
-              <a:t>5/17/2018</a:t>
+              <a:t>5/18/2018</a:t>
             </a:fld>
             <a:endParaRPr lang="en-US" dirty="0"/>
           </a:p>
@@ -1611,7 +1611,7 @@
           <a:p>
             <a:fld id="{48A87A34-81AB-432B-8DAE-1953F412C126}" type="datetimeFigureOut">
               <a:rPr lang="en-US" smtClean="0"/>
-              <a:t>5/17/2018</a:t>
+              <a:t>5/18/2018</a:t>
             </a:fld>
             <a:endParaRPr lang="en-US" dirty="0"/>
           </a:p>
@@ -1791,7 +1791,7 @@
           <a:p>
             <a:fld id="{48A87A34-81AB-432B-8DAE-1953F412C126}" type="datetimeFigureOut">
               <a:rPr lang="en-US" smtClean="0"/>
-              <a:t>5/17/2018</a:t>
+              <a:t>5/18/2018</a:t>
             </a:fld>
             <a:endParaRPr lang="en-US" dirty="0"/>
           </a:p>
@@ -1961,7 +1961,7 @@
           <a:p>
             <a:fld id="{48A87A34-81AB-432B-8DAE-1953F412C126}" type="datetimeFigureOut">
               <a:rPr lang="en-US" smtClean="0"/>
-              <a:t>5/17/2018</a:t>
+              <a:t>5/18/2018</a:t>
             </a:fld>
             <a:endParaRPr lang="en-US" dirty="0"/>
           </a:p>
@@ -2557,7 +2557,7 @@
           <a:p>
             <a:fld id="{48A87A34-81AB-432B-8DAE-1953F412C126}" type="datetimeFigureOut">
               <a:rPr lang="en-US" smtClean="0"/>
-              <a:t>5/17/2018</a:t>
+              <a:t>5/18/2018</a:t>
             </a:fld>
             <a:endParaRPr lang="en-US" dirty="0"/>
           </a:p>
@@ -4363,7 +4363,7 @@
           <a:p>
             <a:fld id="{48A87A34-81AB-432B-8DAE-1953F412C126}" type="datetimeFigureOut">
               <a:rPr lang="en-US" smtClean="0"/>
-              <a:t>5/17/2018</a:t>
+              <a:t>5/18/2018</a:t>
             </a:fld>
             <a:endParaRPr lang="en-US" dirty="0"/>
           </a:p>
@@ -4753,7 +4753,7 @@
           <a:p>
             <a:fld id="{48A87A34-81AB-432B-8DAE-1953F412C126}" type="datetimeFigureOut">
               <a:rPr lang="en-US" smtClean="0"/>
-              <a:t>5/17/2018</a:t>
+              <a:t>5/18/2018</a:t>
             </a:fld>
             <a:endParaRPr lang="en-US" dirty="0"/>
           </a:p>
@@ -4876,7 +4876,7 @@
           <a:p>
             <a:fld id="{48A87A34-81AB-432B-8DAE-1953F412C126}" type="datetimeFigureOut">
               <a:rPr lang="en-US" smtClean="0"/>
-              <a:t>5/17/2018</a:t>
+              <a:t>5/18/2018</a:t>
             </a:fld>
             <a:endParaRPr lang="en-US" dirty="0"/>
           </a:p>
@@ -4971,7 +4971,7 @@
           <a:p>
             <a:fld id="{48A87A34-81AB-432B-8DAE-1953F412C126}" type="datetimeFigureOut">
               <a:rPr lang="en-US" smtClean="0"/>
-              <a:t>5/17/2018</a:t>
+              <a:t>5/18/2018</a:t>
             </a:fld>
             <a:endParaRPr lang="en-US" dirty="0"/>
           </a:p>
@@ -5736,7 +5736,7 @@
           <a:p>
             <a:fld id="{48A87A34-81AB-432B-8DAE-1953F412C126}" type="datetimeFigureOut">
               <a:rPr lang="en-US" smtClean="0"/>
-              <a:t>5/17/2018</a:t>
+              <a:t>5/18/2018</a:t>
             </a:fld>
             <a:endParaRPr lang="en-US" dirty="0"/>
           </a:p>
@@ -6616,7 +6616,7 @@
           <a:p>
             <a:fld id="{48A87A34-81AB-432B-8DAE-1953F412C126}" type="datetimeFigureOut">
               <a:rPr lang="en-US" smtClean="0"/>
-              <a:t>5/17/2018</a:t>
+              <a:t>5/18/2018</a:t>
             </a:fld>
             <a:endParaRPr lang="en-US" dirty="0"/>
           </a:p>
@@ -6882,7 +6882,7 @@
             <a:fld id="{48A87A34-81AB-432B-8DAE-1953F412C126}" type="datetimeFigureOut">
               <a:rPr lang="en-US" smtClean="0"/>
               <a:pPr/>
-              <a:t>5/17/2018</a:t>
+              <a:t>5/18/2018</a:t>
             </a:fld>
             <a:endParaRPr lang="en-US" dirty="0"/>
           </a:p>
@@ -7871,7 +7871,7 @@
         </p:nvSpPr>
         <p:spPr>
           <a:xfrm>
-            <a:off x="1546008" y="3414339"/>
+            <a:off x="1327957" y="2774097"/>
             <a:ext cx="4249240" cy="369332"/>
           </a:xfrm>
           <a:prstGeom prst="rect">
@@ -7915,7 +7915,7 @@
         </p:nvSpPr>
         <p:spPr>
           <a:xfrm>
-            <a:off x="1793051" y="4089401"/>
+            <a:off x="1595719" y="3415950"/>
             <a:ext cx="4768613" cy="369332"/>
           </a:xfrm>
           <a:prstGeom prst="rect">
@@ -7959,7 +7959,7 @@
         </p:nvSpPr>
         <p:spPr>
           <a:xfrm>
-            <a:off x="1260349" y="2743667"/>
+            <a:off x="1901086" y="4057600"/>
             <a:ext cx="4308744" cy="369332"/>
           </a:xfrm>
           <a:prstGeom prst="rect">
@@ -8656,15 +8656,7 @@
             <a:pPr lvl="1"/>
             <a:r>
               <a:rPr lang="en-US" sz="2000" dirty="0" smtClean="0"/>
-              <a:t>We feel accomplished </a:t>
-            </a:r>
-            <a:r>
-              <a:rPr lang="en-US" sz="2000" dirty="0" smtClean="0"/>
-              <a:t>when </a:t>
-            </a:r>
-            <a:r>
-              <a:rPr lang="en-US" sz="2000" dirty="0" smtClean="0"/>
-              <a:t>each part of the project that did what we wanted to.</a:t>
+              <a:t>We feel accomplished when each part of the project that did what we wanted to.</a:t>
             </a:r>
           </a:p>
           <a:p>
@@ -8844,19 +8836,7 @@
           <a:p>
             <a:r>
               <a:rPr lang="en-US" dirty="0" smtClean="0"/>
-              <a:t>Create the </a:t>
-            </a:r>
-            <a:r>
-              <a:rPr lang="en-US" dirty="0" smtClean="0"/>
-              <a:t>new website </a:t>
-            </a:r>
-            <a:r>
-              <a:rPr lang="en-US" dirty="0" smtClean="0"/>
-              <a:t>for Cancer Can’t and The Next program</a:t>
-            </a:r>
-            <a:r>
-              <a:rPr lang="en-US" dirty="0" smtClean="0"/>
-              <a:t>.</a:t>
+              <a:t>Create the new website for Cancer Can’t and The Next program.</a:t>
             </a:r>
           </a:p>
           <a:p>
@@ -8872,7 +8852,6 @@
               <a:rPr lang="en-US" sz="2000" dirty="0" smtClean="0"/>
               <a:t>Add feature where users can put themselves on matching hiatus. </a:t>
             </a:r>
-            <a:endParaRPr lang="en-US" sz="2000" dirty="0" smtClean="0"/>
           </a:p>
           <a:p>
             <a:r>
@@ -8891,11 +8870,7 @@
             <a:pPr lvl="1"/>
             <a:r>
               <a:rPr lang="en-US" sz="2000" dirty="0" smtClean="0"/>
-              <a:t>This limits our project because this is a user-decision. We can only keep sending them emails to remind them to be matched</a:t>
-            </a:r>
-            <a:r>
-              <a:rPr lang="en-US" sz="2000" dirty="0" smtClean="0"/>
-              <a:t>.</a:t>
+              <a:t>This limits our project because this is a user-decision. We can only keep sending them emails to remind them to be matched.</a:t>
             </a:r>
           </a:p>
           <a:p>
@@ -8903,7 +8878,6 @@
               <a:rPr lang="en-US" dirty="0" smtClean="0"/>
               <a:t>Create a Database Manager program for Cancer Can’t.</a:t>
             </a:r>
-            <a:endParaRPr lang="en-US" dirty="0" smtClean="0"/>
           </a:p>
           <a:p>
             <a:endParaRPr lang="en-US" dirty="0"/>
@@ -9604,15 +9578,7 @@
             <a:pPr lvl="1"/>
             <a:r>
               <a:rPr lang="en-US" sz="2000" dirty="0" smtClean="0"/>
-              <a:t>Notify </a:t>
-            </a:r>
-            <a:r>
-              <a:rPr lang="en-US" sz="2000" dirty="0" smtClean="0"/>
-              <a:t>applicant </a:t>
-            </a:r>
-            <a:r>
-              <a:rPr lang="en-US" sz="2000" dirty="0" smtClean="0"/>
-              <a:t>and Cancer Can’t.</a:t>
+              <a:t>Notify applicant and Cancer Can’t.</a:t>
             </a:r>
           </a:p>
         </p:txBody>
@@ -10113,7 +10079,15 @@
           <a:p>
             <a:r>
               <a:rPr lang="en-US" dirty="0" smtClean="0"/>
-              <a:t>You have created backlogs of what we have been doing to help us perform tasks in a timely manner.  </a:t>
+              <a:t>We</a:t>
+            </a:r>
+            <a:r>
+              <a:rPr lang="en-US" dirty="0" smtClean="0"/>
+              <a:t> </a:t>
+            </a:r>
+            <a:r>
+              <a:rPr lang="en-US" dirty="0" smtClean="0"/>
+              <a:t>have created backlogs of what we have been doing to help us perform tasks in a timely manner.  </a:t>
             </a:r>
           </a:p>
           <a:p>
@@ -10161,19 +10135,28 @@
           <a:p>
             <a:r>
               <a:rPr lang="en-US" dirty="0" smtClean="0"/>
-              <a:t>Interesting Facts</a:t>
-            </a:r>
-            <a:r>
-              <a:rPr lang="en-US" dirty="0" smtClean="0"/>
-              <a:t>:</a:t>
+              <a:t>Interesting Facts:</a:t>
             </a:r>
           </a:p>
           <a:p>
             <a:pPr lvl="1"/>
             <a:r>
               <a:rPr lang="en-US" sz="2000" dirty="0" smtClean="0"/>
-              <a:t>Working with an out web developer</a:t>
-            </a:r>
+              <a:t>Working with an </a:t>
+            </a:r>
+            <a:r>
+              <a:rPr lang="en-US" sz="2000" dirty="0" smtClean="0"/>
+              <a:t>third-party </a:t>
+            </a:r>
+            <a:r>
+              <a:rPr lang="en-US" sz="2000" dirty="0" smtClean="0"/>
+              <a:t>web </a:t>
+            </a:r>
+            <a:r>
+              <a:rPr lang="en-US" sz="2000" dirty="0" smtClean="0"/>
+              <a:t>developer.</a:t>
+            </a:r>
+            <a:endParaRPr lang="en-US" sz="2000" dirty="0" smtClean="0"/>
           </a:p>
           <a:p>
             <a:pPr lvl="1"/>
@@ -10181,7 +10164,6 @@
               <a:rPr lang="en-US" sz="2000" dirty="0" smtClean="0"/>
               <a:t>Running Spring was much more difficult than we thought.</a:t>
             </a:r>
-            <a:endParaRPr lang="en-US" sz="2000" dirty="0" smtClean="0"/>
           </a:p>
           <a:p>
             <a:pPr lvl="1"/>
@@ -10343,15 +10325,7 @@
             </a:r>
             <a:r>
               <a:rPr lang="en-US" sz="2200" dirty="0" smtClean="0"/>
-              <a:t>n</a:t>
-            </a:r>
-            <a:r>
-              <a:rPr lang="en-US" sz="2200" dirty="0" smtClean="0"/>
-              <a:t>ew applicant </a:t>
-            </a:r>
-            <a:r>
-              <a:rPr lang="en-US" sz="2200" dirty="0" smtClean="0"/>
-              <a:t>and existing applicant</a:t>
+              <a:t>new applicant and existing applicant</a:t>
             </a:r>
           </a:p>
           <a:p>
@@ -10359,30 +10333,12 @@
               <a:rPr lang="en-US" sz="2200" dirty="0" smtClean="0"/>
               <a:t>The matching will be done based on a point system of 300 points for a perfectly matched pair.  </a:t>
             </a:r>
-            <a:endParaRPr lang="en-US" sz="2200" dirty="0" smtClean="0"/>
           </a:p>
           <a:p>
             <a:r>
               <a:rPr lang="en-US" sz="2200" dirty="0" smtClean="0"/>
-              <a:t>This </a:t>
-            </a:r>
-            <a:r>
-              <a:rPr lang="en-US" sz="2200" dirty="0" smtClean="0"/>
-              <a:t>is the </a:t>
-            </a:r>
-            <a:r>
-              <a:rPr lang="en-US" sz="2200" dirty="0" smtClean="0"/>
-              <a:t>original </a:t>
-            </a:r>
-            <a:r>
-              <a:rPr lang="en-US" sz="2200" dirty="0" smtClean="0"/>
-              <a:t>point </a:t>
-            </a:r>
-            <a:r>
-              <a:rPr lang="en-US" sz="2200" dirty="0" smtClean="0"/>
-              <a:t>system (175 points):</a:t>
-            </a:r>
-            <a:endParaRPr lang="en-US" sz="2200" dirty="0" smtClean="0"/>
+              <a:t>This is the original point system (175 points):</a:t>
+            </a:r>
           </a:p>
           <a:p>
             <a:pPr lvl="1"/>
@@ -10440,7 +10396,6 @@
               <a:rPr lang="en-US" sz="2000" dirty="0" smtClean="0"/>
               <a:t>Religion</a:t>
             </a:r>
-            <a:endParaRPr lang="en-US" sz="2000" dirty="0" smtClean="0"/>
           </a:p>
           <a:p>
             <a:pPr lvl="1"/>
@@ -10614,17 +10569,7 @@
                   </a:solidFill>
                 </a:uFill>
               </a:rPr>
-              <a:t>inal (300 </a:t>
-            </a:r>
-            <a:r>
-              <a:rPr lang="en-US" u="heavy" dirty="0" smtClean="0">
-                <a:uFill>
-                  <a:solidFill>
-                    <a:srgbClr val="FA9B00"/>
-                  </a:solidFill>
-                </a:uFill>
-              </a:rPr>
-              <a:t>pts):</a:t>
+              <a:t>inal (300 pts):</a:t>
             </a:r>
             <a:endParaRPr lang="en-US" u="heavy" dirty="0">
               <a:uFill>
